--- a/Platform Technologies/Midterm/Week 3/Lecture/File_Permission.pptx
+++ b/Platform Technologies/Midterm/Week 3/Lecture/File_Permission.pptx
@@ -7820,12 +7820,12 @@
           </a:p>
           <a:p>
             <a:r>
+              <a:rPr lang="en-US" sz="2400"/>
+              <a:t>		chmod</a:t>
+            </a:r>
+            <a:r>
               <a:rPr lang="en-US" sz="2400" dirty="0"/>
-              <a:t>		</a:t>
-            </a:r>
-            <a:r>
-              <a:rPr lang="pl-PL" sz="2400" dirty="0"/>
-              <a:t>chmod u=rw file.txt</a:t>
+              <a:t> u-w file.txt</a:t>
             </a:r>
           </a:p>
           <a:p>
